--- a/UF1/20211104_Test/ExamenTest/ExamenTest/doc/specs.pptx
+++ b/UF1/20211104_Test/ExamenTest/ExamenTest/doc/specs.pptx
@@ -290,7 +290,7 @@
             <a:fld id="{7A847CFC-816F-41D0-AAC0-9BF4FEBC753E}" type="datetimeFigureOut">
               <a:rPr lang="es-ES" smtClean="0"/>
               <a:pPr/>
-              <a:t>04/11/2021</a:t>
+              <a:t>05/11/2021</a:t>
             </a:fld>
             <a:endParaRPr lang="es-ES"/>
           </a:p>
@@ -457,7 +457,7 @@
             <a:fld id="{7A847CFC-816F-41D0-AAC0-9BF4FEBC753E}" type="datetimeFigureOut">
               <a:rPr lang="es-ES" smtClean="0"/>
               <a:pPr/>
-              <a:t>04/11/2021</a:t>
+              <a:t>05/11/2021</a:t>
             </a:fld>
             <a:endParaRPr lang="es-ES"/>
           </a:p>
@@ -634,7 +634,7 @@
             <a:fld id="{7A847CFC-816F-41D0-AAC0-9BF4FEBC753E}" type="datetimeFigureOut">
               <a:rPr lang="es-ES" smtClean="0"/>
               <a:pPr/>
-              <a:t>04/11/2021</a:t>
+              <a:t>05/11/2021</a:t>
             </a:fld>
             <a:endParaRPr lang="es-ES"/>
           </a:p>
@@ -801,7 +801,7 @@
             <a:fld id="{7A847CFC-816F-41D0-AAC0-9BF4FEBC753E}" type="datetimeFigureOut">
               <a:rPr lang="es-ES" smtClean="0"/>
               <a:pPr/>
-              <a:t>04/11/2021</a:t>
+              <a:t>05/11/2021</a:t>
             </a:fld>
             <a:endParaRPr lang="es-ES"/>
           </a:p>
@@ -1044,7 +1044,7 @@
             <a:fld id="{7A847CFC-816F-41D0-AAC0-9BF4FEBC753E}" type="datetimeFigureOut">
               <a:rPr lang="es-ES" smtClean="0"/>
               <a:pPr/>
-              <a:t>04/11/2021</a:t>
+              <a:t>05/11/2021</a:t>
             </a:fld>
             <a:endParaRPr lang="es-ES"/>
           </a:p>
@@ -1329,7 +1329,7 @@
             <a:fld id="{7A847CFC-816F-41D0-AAC0-9BF4FEBC753E}" type="datetimeFigureOut">
               <a:rPr lang="es-ES" smtClean="0"/>
               <a:pPr/>
-              <a:t>04/11/2021</a:t>
+              <a:t>05/11/2021</a:t>
             </a:fld>
             <a:endParaRPr lang="es-ES"/>
           </a:p>
@@ -1748,7 +1748,7 @@
             <a:fld id="{7A847CFC-816F-41D0-AAC0-9BF4FEBC753E}" type="datetimeFigureOut">
               <a:rPr lang="es-ES" smtClean="0"/>
               <a:pPr/>
-              <a:t>04/11/2021</a:t>
+              <a:t>05/11/2021</a:t>
             </a:fld>
             <a:endParaRPr lang="es-ES"/>
           </a:p>
@@ -1863,7 +1863,7 @@
             <a:fld id="{7A847CFC-816F-41D0-AAC0-9BF4FEBC753E}" type="datetimeFigureOut">
               <a:rPr lang="es-ES" smtClean="0"/>
               <a:pPr/>
-              <a:t>04/11/2021</a:t>
+              <a:t>05/11/2021</a:t>
             </a:fld>
             <a:endParaRPr lang="es-ES"/>
           </a:p>
@@ -1955,7 +1955,7 @@
             <a:fld id="{7A847CFC-816F-41D0-AAC0-9BF4FEBC753E}" type="datetimeFigureOut">
               <a:rPr lang="es-ES" smtClean="0"/>
               <a:pPr/>
-              <a:t>04/11/2021</a:t>
+              <a:t>05/11/2021</a:t>
             </a:fld>
             <a:endParaRPr lang="es-ES"/>
           </a:p>
@@ -2229,7 +2229,7 @@
             <a:fld id="{7A847CFC-816F-41D0-AAC0-9BF4FEBC753E}" type="datetimeFigureOut">
               <a:rPr lang="es-ES" smtClean="0"/>
               <a:pPr/>
-              <a:t>04/11/2021</a:t>
+              <a:t>05/11/2021</a:t>
             </a:fld>
             <a:endParaRPr lang="es-ES"/>
           </a:p>
@@ -2479,7 +2479,7 @@
             <a:fld id="{7A847CFC-816F-41D0-AAC0-9BF4FEBC753E}" type="datetimeFigureOut">
               <a:rPr lang="es-ES" smtClean="0"/>
               <a:pPr/>
-              <a:t>04/11/2021</a:t>
+              <a:t>05/11/2021</a:t>
             </a:fld>
             <a:endParaRPr lang="es-ES"/>
           </a:p>
@@ -2689,7 +2689,7 @@
             <a:fld id="{7A847CFC-816F-41D0-AAC0-9BF4FEBC753E}" type="datetimeFigureOut">
               <a:rPr lang="es-ES" smtClean="0"/>
               <a:pPr/>
-              <a:t>04/11/2021</a:t>
+              <a:t>05/11/2021</a:t>
             </a:fld>
             <a:endParaRPr lang="es-ES"/>
           </a:p>
@@ -3465,44 +3465,6 @@
           </a:p>
         </p:txBody>
       </p:sp>
-      <p:sp>
-        <p:nvSpPr>
-          <p:cNvPr id="18" name="QuadreDeText 17"/>
-          <p:cNvSpPr txBox="1"/>
-          <p:nvPr/>
-        </p:nvSpPr>
-        <p:spPr>
-          <a:xfrm>
-            <a:off x="6444208" y="3275692"/>
-            <a:ext cx="1619931" cy="369332"/>
-          </a:xfrm>
-          <a:prstGeom prst="rect">
-            <a:avLst/>
-          </a:prstGeom>
-          <a:noFill/>
-        </p:spPr>
-        <p:txBody>
-          <a:bodyPr wrap="none" rtlCol="0">
-            <a:spAutoFit/>
-          </a:bodyPr>
-          <a:lstStyle/>
-          <a:p>
-            <a:r>
-              <a:rPr lang="ca-ES" dirty="0" err="1" smtClean="0"/>
-              <a:t>Puntuacio</a:t>
-            </a:r>
-            <a:r>
-              <a:rPr lang="ca-ES" dirty="0" smtClean="0"/>
-              <a:t>:</a:t>
-            </a:r>
-            <a:r>
-              <a:rPr lang="ca-ES" dirty="0" err="1" smtClean="0"/>
-              <a:t>float</a:t>
-            </a:r>
-            <a:endParaRPr lang="ca-ES" dirty="0"/>
-          </a:p>
-        </p:txBody>
-      </p:sp>
       <p:cxnSp>
         <p:nvCxnSpPr>
           <p:cNvPr id="20" name="Connector recte 19"/>
@@ -3538,82 +3500,6 @@
       </p:cxnSp>
       <p:sp>
         <p:nvSpPr>
-          <p:cNvPr id="21" name="Oval 20"/>
-          <p:cNvSpPr/>
-          <p:nvPr/>
-        </p:nvSpPr>
-        <p:spPr>
-          <a:xfrm>
-            <a:off x="5940152" y="3284984"/>
-            <a:ext cx="360040" cy="360040"/>
-          </a:xfrm>
-          <a:prstGeom prst="ellipse">
-            <a:avLst/>
-          </a:prstGeom>
-          <a:solidFill>
-            <a:srgbClr val="FFFF00"/>
-          </a:solidFill>
-        </p:spPr>
-        <p:style>
-          <a:lnRef idx="2">
-            <a:schemeClr val="accent1">
-              <a:shade val="50000"/>
-            </a:schemeClr>
-          </a:lnRef>
-          <a:fillRef idx="1">
-            <a:schemeClr val="accent1"/>
-          </a:fillRef>
-          <a:effectRef idx="0">
-            <a:schemeClr val="accent1"/>
-          </a:effectRef>
-          <a:fontRef idx="minor">
-            <a:schemeClr val="lt1"/>
-          </a:fontRef>
-        </p:style>
-        <p:txBody>
-          <a:bodyPr rtlCol="0" anchor="ctr"/>
-          <a:lstStyle/>
-          <a:p>
-            <a:pPr algn="ctr"/>
-            <a:endParaRPr lang="ca-ES"/>
-          </a:p>
-        </p:txBody>
-      </p:sp>
-      <p:cxnSp>
-        <p:nvCxnSpPr>
-          <p:cNvPr id="22" name="Connector recte 21"/>
-          <p:cNvCxnSpPr>
-            <a:stCxn id="4" idx="3"/>
-            <a:endCxn id="21" idx="2"/>
-          </p:cNvCxnSpPr>
-          <p:nvPr/>
-        </p:nvCxnSpPr>
-        <p:spPr>
-          <a:xfrm>
-            <a:off x="5292080" y="2924944"/>
-            <a:ext cx="648072" cy="540060"/>
-          </a:xfrm>
-          <a:prstGeom prst="line">
-            <a:avLst/>
-          </a:prstGeom>
-        </p:spPr>
-        <p:style>
-          <a:lnRef idx="1">
-            <a:schemeClr val="accent1"/>
-          </a:lnRef>
-          <a:fillRef idx="0">
-            <a:schemeClr val="accent1"/>
-          </a:fillRef>
-          <a:effectRef idx="0">
-            <a:schemeClr val="accent1"/>
-          </a:effectRef>
-          <a:fontRef idx="minor">
-            <a:schemeClr val="tx1"/>
-          </a:fontRef>
-        </p:style>
-      </p:cxnSp>
-      <p:sp>
-        <p:nvSpPr>
           <p:cNvPr id="25" name="QuadreDeText 24"/>
           <p:cNvSpPr txBox="1"/>
           <p:nvPr/>
@@ -3752,116 +3638,6 @@
           </a:fontRef>
         </p:style>
       </p:cxnSp>
-      <p:sp>
-        <p:nvSpPr>
-          <p:cNvPr id="31" name="Oval 30"/>
-          <p:cNvSpPr/>
-          <p:nvPr/>
-        </p:nvSpPr>
-        <p:spPr>
-          <a:xfrm>
-            <a:off x="5940152" y="2492896"/>
-            <a:ext cx="360040" cy="360040"/>
-          </a:xfrm>
-          <a:prstGeom prst="ellipse">
-            <a:avLst/>
-          </a:prstGeom>
-          <a:solidFill>
-            <a:srgbClr val="FFFF00"/>
-          </a:solidFill>
-        </p:spPr>
-        <p:style>
-          <a:lnRef idx="2">
-            <a:schemeClr val="accent1">
-              <a:shade val="50000"/>
-            </a:schemeClr>
-          </a:lnRef>
-          <a:fillRef idx="1">
-            <a:schemeClr val="accent1"/>
-          </a:fillRef>
-          <a:effectRef idx="0">
-            <a:schemeClr val="accent1"/>
-          </a:effectRef>
-          <a:fontRef idx="minor">
-            <a:schemeClr val="lt1"/>
-          </a:fontRef>
-        </p:style>
-        <p:txBody>
-          <a:bodyPr rtlCol="0" anchor="ctr"/>
-          <a:lstStyle/>
-          <a:p>
-            <a:pPr algn="ctr"/>
-            <a:endParaRPr lang="ca-ES"/>
-          </a:p>
-        </p:txBody>
-      </p:sp>
-      <p:cxnSp>
-        <p:nvCxnSpPr>
-          <p:cNvPr id="32" name="Connector recte 31"/>
-          <p:cNvCxnSpPr>
-            <a:stCxn id="4" idx="3"/>
-            <a:endCxn id="31" idx="2"/>
-          </p:cNvCxnSpPr>
-          <p:nvPr/>
-        </p:nvCxnSpPr>
-        <p:spPr>
-          <a:xfrm flipV="1">
-            <a:off x="5292080" y="2672916"/>
-            <a:ext cx="648072" cy="252028"/>
-          </a:xfrm>
-          <a:prstGeom prst="line">
-            <a:avLst/>
-          </a:prstGeom>
-        </p:spPr>
-        <p:style>
-          <a:lnRef idx="1">
-            <a:schemeClr val="accent1"/>
-          </a:lnRef>
-          <a:fillRef idx="0">
-            <a:schemeClr val="accent1"/>
-          </a:fillRef>
-          <a:effectRef idx="0">
-            <a:schemeClr val="accent1"/>
-          </a:effectRef>
-          <a:fontRef idx="minor">
-            <a:schemeClr val="tx1"/>
-          </a:fontRef>
-        </p:style>
-      </p:cxnSp>
-      <p:sp>
-        <p:nvSpPr>
-          <p:cNvPr id="35" name="QuadreDeText 34"/>
-          <p:cNvSpPr txBox="1"/>
-          <p:nvPr/>
-        </p:nvSpPr>
-        <p:spPr>
-          <a:xfrm>
-            <a:off x="6372200" y="2492896"/>
-            <a:ext cx="1338508" cy="369332"/>
-          </a:xfrm>
-          <a:prstGeom prst="rect">
-            <a:avLst/>
-          </a:prstGeom>
-          <a:noFill/>
-        </p:spPr>
-        <p:txBody>
-          <a:bodyPr wrap="none" rtlCol="0">
-            <a:spAutoFit/>
-          </a:bodyPr>
-          <a:lstStyle/>
-          <a:p>
-            <a:r>
-              <a:rPr lang="ca-ES" dirty="0" smtClean="0"/>
-              <a:t>Resposta:</a:t>
-            </a:r>
-            <a:r>
-              <a:rPr lang="ca-ES" dirty="0" err="1" smtClean="0"/>
-              <a:t>int</a:t>
-            </a:r>
-            <a:endParaRPr lang="ca-ES" dirty="0"/>
-          </a:p>
-        </p:txBody>
-      </p:sp>
     </p:spTree>
   </p:cSld>
   <p:clrMapOvr>
